--- a/BOOK STORE APPLICATION USING MERN STACK.pptx
+++ b/BOOK STORE APPLICATION USING MERN STACK.pptx
@@ -12,9 +12,12 @@
     <p:sldId id="260" r:id="rId6"/>
     <p:sldId id="261" r:id="rId7"/>
     <p:sldId id="262" r:id="rId8"/>
-    <p:sldId id="263" r:id="rId9"/>
-    <p:sldId id="264" r:id="rId10"/>
-    <p:sldId id="265" r:id="rId11"/>
+    <p:sldId id="266" r:id="rId9"/>
+    <p:sldId id="267" r:id="rId10"/>
+    <p:sldId id="268" r:id="rId11"/>
+    <p:sldId id="263" r:id="rId12"/>
+    <p:sldId id="264" r:id="rId13"/>
+    <p:sldId id="265" r:id="rId14"/>
   </p:sldIdLst>
   <p:sldSz cx="12192000" cy="6858000"/>
   <p:notesSz cx="6858000" cy="9144000"/>
@@ -113,6 +116,11 @@
       </a:defRPr>
     </a:lvl9pPr>
   </p:defaultTextStyle>
+  <p:extLst>
+    <p:ext uri="{EFAFB233-063F-42B5-8137-9DF3F51BA10A}">
+      <p15:sldGuideLst xmlns:p15="http://schemas.microsoft.com/office/powerpoint/2012/main"/>
+    </p:ext>
+  </p:extLst>
 </p:presentation>
 </file>
 
@@ -247,7 +255,7 @@
           <a:p>
             <a:fld id="{BAF7FC2E-75DE-4BC0-BF68-C5B7F337ED68}" type="datetimeFigureOut">
               <a:rPr lang="en-IN" smtClean="0"/>
-              <a:t>08-10-2024</a:t>
+              <a:t>10-10-2024</a:t>
             </a:fld>
             <a:endParaRPr lang="en-IN"/>
           </a:p>
@@ -417,7 +425,7 @@
           <a:p>
             <a:fld id="{BAF7FC2E-75DE-4BC0-BF68-C5B7F337ED68}" type="datetimeFigureOut">
               <a:rPr lang="en-IN" smtClean="0"/>
-              <a:t>08-10-2024</a:t>
+              <a:t>10-10-2024</a:t>
             </a:fld>
             <a:endParaRPr lang="en-IN"/>
           </a:p>
@@ -597,7 +605,7 @@
           <a:p>
             <a:fld id="{BAF7FC2E-75DE-4BC0-BF68-C5B7F337ED68}" type="datetimeFigureOut">
               <a:rPr lang="en-IN" smtClean="0"/>
-              <a:t>08-10-2024</a:t>
+              <a:t>10-10-2024</a:t>
             </a:fld>
             <a:endParaRPr lang="en-IN"/>
           </a:p>
@@ -767,7 +775,7 @@
           <a:p>
             <a:fld id="{BAF7FC2E-75DE-4BC0-BF68-C5B7F337ED68}" type="datetimeFigureOut">
               <a:rPr lang="en-IN" smtClean="0"/>
-              <a:t>08-10-2024</a:t>
+              <a:t>10-10-2024</a:t>
             </a:fld>
             <a:endParaRPr lang="en-IN"/>
           </a:p>
@@ -1013,7 +1021,7 @@
           <a:p>
             <a:fld id="{BAF7FC2E-75DE-4BC0-BF68-C5B7F337ED68}" type="datetimeFigureOut">
               <a:rPr lang="en-IN" smtClean="0"/>
-              <a:t>08-10-2024</a:t>
+              <a:t>10-10-2024</a:t>
             </a:fld>
             <a:endParaRPr lang="en-IN"/>
           </a:p>
@@ -1245,7 +1253,7 @@
           <a:p>
             <a:fld id="{BAF7FC2E-75DE-4BC0-BF68-C5B7F337ED68}" type="datetimeFigureOut">
               <a:rPr lang="en-IN" smtClean="0"/>
-              <a:t>08-10-2024</a:t>
+              <a:t>10-10-2024</a:t>
             </a:fld>
             <a:endParaRPr lang="en-IN"/>
           </a:p>
@@ -1612,7 +1620,7 @@
           <a:p>
             <a:fld id="{BAF7FC2E-75DE-4BC0-BF68-C5B7F337ED68}" type="datetimeFigureOut">
               <a:rPr lang="en-IN" smtClean="0"/>
-              <a:t>08-10-2024</a:t>
+              <a:t>10-10-2024</a:t>
             </a:fld>
             <a:endParaRPr lang="en-IN"/>
           </a:p>
@@ -1730,7 +1738,7 @@
           <a:p>
             <a:fld id="{BAF7FC2E-75DE-4BC0-BF68-C5B7F337ED68}" type="datetimeFigureOut">
               <a:rPr lang="en-IN" smtClean="0"/>
-              <a:t>08-10-2024</a:t>
+              <a:t>10-10-2024</a:t>
             </a:fld>
             <a:endParaRPr lang="en-IN"/>
           </a:p>
@@ -1825,7 +1833,7 @@
           <a:p>
             <a:fld id="{BAF7FC2E-75DE-4BC0-BF68-C5B7F337ED68}" type="datetimeFigureOut">
               <a:rPr lang="en-IN" smtClean="0"/>
-              <a:t>08-10-2024</a:t>
+              <a:t>10-10-2024</a:t>
             </a:fld>
             <a:endParaRPr lang="en-IN"/>
           </a:p>
@@ -2102,7 +2110,7 @@
           <a:p>
             <a:fld id="{BAF7FC2E-75DE-4BC0-BF68-C5B7F337ED68}" type="datetimeFigureOut">
               <a:rPr lang="en-IN" smtClean="0"/>
-              <a:t>08-10-2024</a:t>
+              <a:t>10-10-2024</a:t>
             </a:fld>
             <a:endParaRPr lang="en-IN"/>
           </a:p>
@@ -2359,7 +2367,7 @@
           <a:p>
             <a:fld id="{BAF7FC2E-75DE-4BC0-BF68-C5B7F337ED68}" type="datetimeFigureOut">
               <a:rPr lang="en-IN" smtClean="0"/>
-              <a:t>08-10-2024</a:t>
+              <a:t>10-10-2024</a:t>
             </a:fld>
             <a:endParaRPr lang="en-IN"/>
           </a:p>
@@ -2572,7 +2580,7 @@
           <a:p>
             <a:fld id="{BAF7FC2E-75DE-4BC0-BF68-C5B7F337ED68}" type="datetimeFigureOut">
               <a:rPr lang="en-IN" smtClean="0"/>
-              <a:t>08-10-2024</a:t>
+              <a:t>10-10-2024</a:t>
             </a:fld>
             <a:endParaRPr lang="en-IN"/>
           </a:p>
@@ -3087,7 +3095,7 @@
                 <a:latin typeface="Times New Roman" pitchFamily="18" charset="0"/>
                 <a:cs typeface="Times New Roman" pitchFamily="18" charset="0"/>
               </a:rPr>
-              <a:t>               		 DHARSHIKA. T (au211521205033)</a:t>
+              <a:t>               		  DHARSHIKA. T (au211521205033)</a:t>
             </a:r>
             <a:endParaRPr lang="en-IN" dirty="0">
               <a:latin typeface="Times New Roman" panose="02020603050405020304" pitchFamily="18" charset="0"/>
@@ -3096,21 +3104,354 @@
           </a:p>
         </p:txBody>
       </p:sp>
+    </p:spTree>
+    <p:extLst>
+      <p:ext uri="{BB962C8B-B14F-4D97-AF65-F5344CB8AC3E}">
+        <p14:creationId xmlns:p14="http://schemas.microsoft.com/office/powerpoint/2010/main" val="1893022524"/>
+      </p:ext>
+    </p:extLst>
+  </p:cSld>
+  <p:clrMapOvr>
+    <a:masterClrMapping/>
+  </p:clrMapOvr>
+</p:sld>
+</file>
+
+<file path=ppt/slides/slide10.xml><?xml version="1.0" encoding="utf-8"?>
+<p:sld xmlns:a="http://schemas.openxmlformats.org/drawingml/2006/main" xmlns:r="http://schemas.openxmlformats.org/officeDocument/2006/relationships" xmlns:p="http://schemas.openxmlformats.org/presentationml/2006/main">
+  <p:cSld>
+    <p:spTree>
+      <p:nvGrpSpPr>
+        <p:cNvPr id="1" name=""/>
+        <p:cNvGrpSpPr/>
+        <p:nvPr/>
+      </p:nvGrpSpPr>
+      <p:grpSpPr>
+        <a:xfrm>
+          <a:off x="0" y="0"/>
+          <a:ext cx="0" cy="0"/>
+          <a:chOff x="0" y="0"/>
+          <a:chExt cx="0" cy="0"/>
+        </a:xfrm>
+      </p:grpSpPr>
+      <p:sp>
+        <p:nvSpPr>
+          <p:cNvPr id="3" name="Content Placeholder 2">
+            <a:extLst>
+              <a:ext uri="{FF2B5EF4-FFF2-40B4-BE49-F238E27FC236}">
+                <a16:creationId xmlns:a16="http://schemas.microsoft.com/office/drawing/2014/main" id="{F4BF6A6D-010E-925F-6B11-75B04B79378E}"/>
+              </a:ext>
+            </a:extLst>
+          </p:cNvPr>
+          <p:cNvSpPr>
+            <a:spLocks noGrp="1"/>
+          </p:cNvSpPr>
+          <p:nvPr>
+            <p:ph idx="1"/>
+          </p:nvPr>
+        </p:nvSpPr>
+        <p:spPr>
+          <a:xfrm>
+            <a:off x="838200" y="546755"/>
+            <a:ext cx="10515600" cy="5630208"/>
+          </a:xfrm>
+        </p:spPr>
+        <p:txBody>
+          <a:bodyPr>
+            <a:normAutofit lnSpcReduction="10000"/>
+          </a:bodyPr>
+          <a:lstStyle/>
+          <a:p>
+            <a:pPr marL="0" indent="0" algn="just">
+              <a:buNone/>
+            </a:pPr>
+            <a:r>
+              <a:rPr lang="en-US" sz="2400" b="1" dirty="0">
+                <a:latin typeface="Times New Roman" pitchFamily="18" charset="0"/>
+                <a:cs typeface="Times New Roman" pitchFamily="18" charset="0"/>
+              </a:rPr>
+              <a:t>3. </a:t>
+            </a:r>
+            <a:r>
+              <a:rPr lang="en-US" sz="2400" b="1" u="sng" dirty="0">
+                <a:latin typeface="Times New Roman" pitchFamily="18" charset="0"/>
+                <a:cs typeface="Times New Roman" pitchFamily="18" charset="0"/>
+              </a:rPr>
+              <a:t>Database (MongoDB)</a:t>
+            </a:r>
+            <a:endParaRPr lang="en-US" sz="2400" u="sng" dirty="0">
+              <a:latin typeface="Times New Roman" pitchFamily="18" charset="0"/>
+              <a:cs typeface="Times New Roman" pitchFamily="18" charset="0"/>
+            </a:endParaRPr>
+          </a:p>
+          <a:p>
+            <a:pPr algn="just"/>
+            <a:r>
+              <a:rPr lang="en-US" sz="2400" b="1" dirty="0">
+                <a:latin typeface="Times New Roman" pitchFamily="18" charset="0"/>
+                <a:cs typeface="Times New Roman" pitchFamily="18" charset="0"/>
+              </a:rPr>
+              <a:t>NoSQL Database</a:t>
+            </a:r>
+            <a:r>
+              <a:rPr lang="en-US" sz="2400" dirty="0">
+                <a:latin typeface="Times New Roman" pitchFamily="18" charset="0"/>
+                <a:cs typeface="Times New Roman" pitchFamily="18" charset="0"/>
+              </a:rPr>
+              <a:t>: Flexible data storage for books, users, and orders.</a:t>
+            </a:r>
+          </a:p>
+          <a:p>
+            <a:pPr algn="just"/>
+            <a:r>
+              <a:rPr lang="en-US" sz="2400" b="1" dirty="0">
+                <a:latin typeface="Times New Roman" pitchFamily="18" charset="0"/>
+                <a:cs typeface="Times New Roman" pitchFamily="18" charset="0"/>
+              </a:rPr>
+              <a:t>Collections</a:t>
+            </a:r>
+            <a:r>
+              <a:rPr lang="en-US" sz="2400" dirty="0">
+                <a:latin typeface="Times New Roman" pitchFamily="18" charset="0"/>
+                <a:cs typeface="Times New Roman" pitchFamily="18" charset="0"/>
+              </a:rPr>
+              <a:t>:</a:t>
+            </a:r>
+          </a:p>
+          <a:p>
+            <a:pPr lvl="1" algn="just"/>
+            <a:r>
+              <a:rPr lang="en-US" dirty="0">
+                <a:latin typeface="Times New Roman" pitchFamily="18" charset="0"/>
+                <a:cs typeface="Times New Roman" pitchFamily="18" charset="0"/>
+              </a:rPr>
+              <a:t>Books: Title, author, genre, price, stock.</a:t>
+            </a:r>
+          </a:p>
+          <a:p>
+            <a:pPr lvl="1" algn="just"/>
+            <a:r>
+              <a:rPr lang="en-US" dirty="0">
+                <a:latin typeface="Times New Roman" pitchFamily="18" charset="0"/>
+                <a:cs typeface="Times New Roman" pitchFamily="18" charset="0"/>
+              </a:rPr>
+              <a:t>Users: Profiles, login data (JWT).</a:t>
+            </a:r>
+          </a:p>
+          <a:p>
+            <a:pPr lvl="1" algn="just"/>
+            <a:r>
+              <a:rPr lang="en-US" dirty="0">
+                <a:latin typeface="Times New Roman" pitchFamily="18" charset="0"/>
+                <a:cs typeface="Times New Roman" pitchFamily="18" charset="0"/>
+              </a:rPr>
+              <a:t>Orders: Transaction and shipping details.</a:t>
+            </a:r>
+          </a:p>
+          <a:p>
+            <a:pPr marL="0" indent="0" algn="just">
+              <a:buNone/>
+            </a:pPr>
+            <a:endParaRPr lang="en-US" sz="2400" dirty="0">
+              <a:latin typeface="Times New Roman" pitchFamily="18" charset="0"/>
+              <a:cs typeface="Times New Roman" pitchFamily="18" charset="0"/>
+            </a:endParaRPr>
+          </a:p>
+          <a:p>
+            <a:pPr marL="0" indent="0" algn="just">
+              <a:buNone/>
+            </a:pPr>
+            <a:r>
+              <a:rPr lang="en-US" sz="2400" b="1" dirty="0">
+                <a:latin typeface="Times New Roman" pitchFamily="18" charset="0"/>
+                <a:cs typeface="Times New Roman" pitchFamily="18" charset="0"/>
+              </a:rPr>
+              <a:t>4</a:t>
+            </a:r>
+            <a:r>
+              <a:rPr lang="en-US" sz="2400" b="1" u="sng" dirty="0">
+                <a:latin typeface="Times New Roman" pitchFamily="18" charset="0"/>
+                <a:cs typeface="Times New Roman" pitchFamily="18" charset="0"/>
+              </a:rPr>
+              <a:t>. Authentication &amp; Security</a:t>
+            </a:r>
+            <a:endParaRPr lang="en-US" sz="2400" u="sng" dirty="0">
+              <a:latin typeface="Times New Roman" pitchFamily="18" charset="0"/>
+              <a:cs typeface="Times New Roman" pitchFamily="18" charset="0"/>
+            </a:endParaRPr>
+          </a:p>
+          <a:p>
+            <a:pPr algn="just"/>
+            <a:r>
+              <a:rPr lang="en-US" sz="2400" b="1" dirty="0">
+                <a:latin typeface="Times New Roman" pitchFamily="18" charset="0"/>
+                <a:cs typeface="Times New Roman" pitchFamily="18" charset="0"/>
+              </a:rPr>
+              <a:t>JWT (JSON Web Token)</a:t>
+            </a:r>
+            <a:r>
+              <a:rPr lang="en-US" sz="2400" dirty="0">
+                <a:latin typeface="Times New Roman" pitchFamily="18" charset="0"/>
+                <a:cs typeface="Times New Roman" pitchFamily="18" charset="0"/>
+              </a:rPr>
+              <a:t>: For secure user login and session management.</a:t>
+            </a:r>
+          </a:p>
+          <a:p>
+            <a:pPr algn="just"/>
+            <a:r>
+              <a:rPr lang="en-US" sz="2400" b="1" dirty="0">
+                <a:latin typeface="Times New Roman" pitchFamily="18" charset="0"/>
+                <a:cs typeface="Times New Roman" pitchFamily="18" charset="0"/>
+              </a:rPr>
+              <a:t>OAuth</a:t>
+            </a:r>
+            <a:r>
+              <a:rPr lang="en-US" sz="2400" dirty="0">
+                <a:latin typeface="Times New Roman" pitchFamily="18" charset="0"/>
+                <a:cs typeface="Times New Roman" pitchFamily="18" charset="0"/>
+              </a:rPr>
+              <a:t>: Third-party login options (Google, Facebook).</a:t>
+            </a:r>
+          </a:p>
+          <a:p>
+            <a:pPr algn="just"/>
+            <a:endParaRPr lang="en-US" sz="2400" dirty="0">
+              <a:latin typeface="Times New Roman" pitchFamily="18" charset="0"/>
+              <a:cs typeface="Times New Roman" pitchFamily="18" charset="0"/>
+            </a:endParaRPr>
+          </a:p>
+          <a:p>
+            <a:pPr algn="just"/>
+            <a:r>
+              <a:rPr lang="en-US" sz="2400" b="1" dirty="0">
+                <a:latin typeface="Times New Roman" pitchFamily="18" charset="0"/>
+                <a:cs typeface="Times New Roman" pitchFamily="18" charset="0"/>
+              </a:rPr>
+              <a:t>5. </a:t>
+            </a:r>
+            <a:r>
+              <a:rPr lang="en-US" sz="2400" b="1" u="sng" dirty="0">
+                <a:latin typeface="Times New Roman" pitchFamily="18" charset="0"/>
+                <a:cs typeface="Times New Roman" pitchFamily="18" charset="0"/>
+              </a:rPr>
+              <a:t>Payment Integration</a:t>
+            </a:r>
+            <a:endParaRPr lang="en-US" sz="2400" u="sng" dirty="0">
+              <a:latin typeface="Times New Roman" pitchFamily="18" charset="0"/>
+              <a:cs typeface="Times New Roman" pitchFamily="18" charset="0"/>
+            </a:endParaRPr>
+          </a:p>
+          <a:p>
+            <a:pPr algn="just"/>
+            <a:r>
+              <a:rPr lang="en-US" sz="2400" b="1" dirty="0">
+                <a:latin typeface="Times New Roman" pitchFamily="18" charset="0"/>
+                <a:cs typeface="Times New Roman" pitchFamily="18" charset="0"/>
+              </a:rPr>
+              <a:t>Stripe/PayPal</a:t>
+            </a:r>
+            <a:r>
+              <a:rPr lang="en-US" sz="2400" dirty="0">
+                <a:latin typeface="Times New Roman" pitchFamily="18" charset="0"/>
+                <a:cs typeface="Times New Roman" pitchFamily="18" charset="0"/>
+              </a:rPr>
+              <a:t>: Secure payment gateway for handling transactions.</a:t>
+            </a:r>
+          </a:p>
+          <a:p>
+            <a:pPr marL="0" indent="0">
+              <a:buNone/>
+            </a:pPr>
+            <a:endParaRPr lang="en-IN" dirty="0"/>
+          </a:p>
+        </p:txBody>
+      </p:sp>
+    </p:spTree>
+    <p:extLst>
+      <p:ext uri="{BB962C8B-B14F-4D97-AF65-F5344CB8AC3E}">
+        <p14:creationId xmlns:p14="http://schemas.microsoft.com/office/powerpoint/2010/main" val="2829525449"/>
+      </p:ext>
+    </p:extLst>
+  </p:cSld>
+  <p:clrMapOvr>
+    <a:masterClrMapping/>
+  </p:clrMapOvr>
+</p:sld>
+</file>
+
+<file path=ppt/slides/slide11.xml><?xml version="1.0" encoding="utf-8"?>
+<p:sld xmlns:a="http://schemas.openxmlformats.org/drawingml/2006/main" xmlns:r="http://schemas.openxmlformats.org/officeDocument/2006/relationships" xmlns:p="http://schemas.openxmlformats.org/presentationml/2006/main">
+  <p:cSld>
+    <p:spTree>
+      <p:nvGrpSpPr>
+        <p:cNvPr id="1" name=""/>
+        <p:cNvGrpSpPr/>
+        <p:nvPr/>
+      </p:nvGrpSpPr>
+      <p:grpSpPr>
+        <a:xfrm>
+          <a:off x="0" y="0"/>
+          <a:ext cx="0" cy="0"/>
+          <a:chOff x="0" y="0"/>
+          <a:chExt cx="0" cy="0"/>
+        </a:xfrm>
+      </p:grpSpPr>
+      <p:sp>
+        <p:nvSpPr>
+          <p:cNvPr id="2" name="Title 1">
+            <a:extLst>
+              <a:ext uri="{FF2B5EF4-FFF2-40B4-BE49-F238E27FC236}">
+                <a16:creationId xmlns:a16="http://schemas.microsoft.com/office/drawing/2014/main" id="{E4338DAB-27B1-E7F3-C3E1-F10821402B8B}"/>
+              </a:ext>
+            </a:extLst>
+          </p:cNvPr>
+          <p:cNvSpPr>
+            <a:spLocks noGrp="1"/>
+          </p:cNvSpPr>
+          <p:nvPr>
+            <p:ph type="title"/>
+          </p:nvPr>
+        </p:nvSpPr>
+        <p:spPr>
+          <a:xfrm>
+            <a:off x="838200" y="197964"/>
+            <a:ext cx="10515600" cy="1197204"/>
+          </a:xfrm>
+        </p:spPr>
+        <p:txBody>
+          <a:bodyPr>
+            <a:normAutofit/>
+          </a:bodyPr>
+          <a:lstStyle/>
+          <a:p>
+            <a:r>
+              <a:rPr lang="en-IN" sz="3600" b="1" u="sng" dirty="0">
+                <a:latin typeface="Times New Roman" panose="02020603050405020304" pitchFamily="18" charset="0"/>
+                <a:cs typeface="Times New Roman" panose="02020603050405020304" pitchFamily="18" charset="0"/>
+              </a:rPr>
+              <a:t>FLOWCHART</a:t>
+            </a:r>
+          </a:p>
+        </p:txBody>
+      </p:sp>
       <p:pic>
         <p:nvPicPr>
-          <p:cNvPr id="1026" name="Picture 2" descr="Premium Vector | Bookstore shop exterior and woman">
+          <p:cNvPr id="4" name="Content Placeholder 3" descr="Business Process Reengineering Management Flow Chart For Bookstore PPT  Example">
             <a:extLst>
               <a:ext uri="{FF2B5EF4-FFF2-40B4-BE49-F238E27FC236}">
-                <a16:creationId xmlns:a16="http://schemas.microsoft.com/office/drawing/2014/main" id="{AC1E6A41-5BD6-D18B-86C3-0CFA2B1811C6}"/>
+                <a16:creationId xmlns:a16="http://schemas.microsoft.com/office/drawing/2014/main" id="{BEBC1BE2-0AF6-FC61-B466-4906BBFD57BE}"/>
               </a:ext>
             </a:extLst>
           </p:cNvPr>
           <p:cNvPicPr>
-            <a:picLocks noChangeAspect="1" noChangeArrowheads="1"/>
+            <a:picLocks noGrp="1" noChangeAspect="1" noChangeArrowheads="1"/>
           </p:cNvPicPr>
-          <p:nvPr/>
+          <p:nvPr>
+            <p:ph idx="1"/>
+          </p:nvPr>
         </p:nvPicPr>
-        <p:blipFill>
+        <p:blipFill rotWithShape="1">
           <a:blip r:embed="rId2">
             <a:extLst>
               <a:ext uri="{28A0092B-C50C-407E-A947-70E740481C1C}">
@@ -3118,15 +3459,13 @@
               </a:ext>
             </a:extLst>
           </a:blip>
-          <a:srcRect/>
-          <a:stretch>
-            <a:fillRect/>
-          </a:stretch>
+          <a:srcRect l="-234" t="15555" r="234" b="6041"/>
+          <a:stretch/>
         </p:blipFill>
         <p:spPr bwMode="auto">
           <a:xfrm>
-            <a:off x="1524000" y="3127343"/>
-            <a:ext cx="3069309" cy="2034766"/>
+            <a:off x="838200" y="1225485"/>
+            <a:ext cx="10417404" cy="4951478"/>
           </a:xfrm>
           <a:prstGeom prst="rect">
             <a:avLst/>
@@ -3146,7 +3485,7 @@
     </p:spTree>
     <p:extLst>
       <p:ext uri="{BB962C8B-B14F-4D97-AF65-F5344CB8AC3E}">
-        <p14:creationId xmlns:p14="http://schemas.microsoft.com/office/powerpoint/2010/main" val="1893022524"/>
+        <p14:creationId xmlns:p14="http://schemas.microsoft.com/office/powerpoint/2010/main" val="2482554202"/>
       </p:ext>
     </p:extLst>
   </p:cSld>
@@ -3156,7 +3495,118 @@
 </p:sld>
 </file>
 
-<file path=ppt/slides/slide10.xml><?xml version="1.0" encoding="utf-8"?>
+<file path=ppt/slides/slide12.xml><?xml version="1.0" encoding="utf-8"?>
+<p:sld xmlns:a="http://schemas.openxmlformats.org/drawingml/2006/main" xmlns:r="http://schemas.openxmlformats.org/officeDocument/2006/relationships" xmlns:p="http://schemas.openxmlformats.org/presentationml/2006/main">
+  <p:cSld>
+    <p:spTree>
+      <p:nvGrpSpPr>
+        <p:cNvPr id="1" name=""/>
+        <p:cNvGrpSpPr/>
+        <p:nvPr/>
+      </p:nvGrpSpPr>
+      <p:grpSpPr>
+        <a:xfrm>
+          <a:off x="0" y="0"/>
+          <a:ext cx="0" cy="0"/>
+          <a:chOff x="0" y="0"/>
+          <a:chExt cx="0" cy="0"/>
+        </a:xfrm>
+      </p:grpSpPr>
+      <p:sp>
+        <p:nvSpPr>
+          <p:cNvPr id="2" name="Title 1">
+            <a:extLst>
+              <a:ext uri="{FF2B5EF4-FFF2-40B4-BE49-F238E27FC236}">
+                <a16:creationId xmlns:a16="http://schemas.microsoft.com/office/drawing/2014/main" id="{4FE82733-E8DD-F8F8-04EB-0AC5EFDEBFAD}"/>
+              </a:ext>
+            </a:extLst>
+          </p:cNvPr>
+          <p:cNvSpPr>
+            <a:spLocks noGrp="1"/>
+          </p:cNvSpPr>
+          <p:nvPr>
+            <p:ph type="title"/>
+          </p:nvPr>
+        </p:nvSpPr>
+        <p:spPr/>
+        <p:txBody>
+          <a:bodyPr>
+            <a:normAutofit/>
+          </a:bodyPr>
+          <a:lstStyle/>
+          <a:p>
+            <a:r>
+              <a:rPr lang="en-IN" sz="3600" b="1" u="sng" dirty="0">
+                <a:latin typeface="Times New Roman" panose="02020603050405020304" pitchFamily="18" charset="0"/>
+                <a:cs typeface="Times New Roman" panose="02020603050405020304" pitchFamily="18" charset="0"/>
+              </a:rPr>
+              <a:t>CONCLUSION</a:t>
+            </a:r>
+          </a:p>
+        </p:txBody>
+      </p:sp>
+      <p:sp>
+        <p:nvSpPr>
+          <p:cNvPr id="3" name="Content Placeholder 2">
+            <a:extLst>
+              <a:ext uri="{FF2B5EF4-FFF2-40B4-BE49-F238E27FC236}">
+                <a16:creationId xmlns:a16="http://schemas.microsoft.com/office/drawing/2014/main" id="{F6F9A688-022E-AB0E-E97A-447CA8B634BE}"/>
+              </a:ext>
+            </a:extLst>
+          </p:cNvPr>
+          <p:cNvSpPr>
+            <a:spLocks noGrp="1"/>
+          </p:cNvSpPr>
+          <p:nvPr>
+            <p:ph idx="1"/>
+          </p:nvPr>
+        </p:nvSpPr>
+        <p:spPr/>
+        <p:txBody>
+          <a:bodyPr>
+            <a:normAutofit/>
+          </a:bodyPr>
+          <a:lstStyle/>
+          <a:p>
+            <a:pPr algn="just"/>
+            <a:r>
+              <a:rPr lang="en-US" sz="2400" dirty="0">
+                <a:latin typeface="Times New Roman" pitchFamily="18" charset="0"/>
+                <a:cs typeface="Times New Roman" pitchFamily="18" charset="0"/>
+              </a:rPr>
+              <a:t>The bookstore website has been crafted to provide an engaging, efficient, and user-friendly platform for book enthusiasts. By combining a broad selection of titles, intuitive search features, and a secure checkout process, it ensures a seamless experience from browsing to purchase. With its responsive design, the website caters to users across all devices, enhancing accessibility and convenience. </a:t>
+            </a:r>
+          </a:p>
+          <a:p>
+            <a:pPr algn="just"/>
+            <a:r>
+              <a:rPr lang="en-US" sz="2400" dirty="0">
+                <a:latin typeface="Times New Roman" pitchFamily="18" charset="0"/>
+                <a:cs typeface="Times New Roman" pitchFamily="18" charset="0"/>
+              </a:rPr>
+              <a:t>By prioritizing personalized recommendations and a diverse collection, it aspires to be the go-to destination for readers of all kinds. This platform not only simplifies the process of buying books but also fosters a love for reading, making it a valuable resource for book lovers in the digital age.</a:t>
+            </a:r>
+            <a:endParaRPr lang="en-IN" sz="2400" dirty="0">
+              <a:latin typeface="Times New Roman" panose="02020603050405020304" pitchFamily="18" charset="0"/>
+              <a:cs typeface="Times New Roman" panose="02020603050405020304" pitchFamily="18" charset="0"/>
+            </a:endParaRPr>
+          </a:p>
+        </p:txBody>
+      </p:sp>
+    </p:spTree>
+    <p:extLst>
+      <p:ext uri="{BB962C8B-B14F-4D97-AF65-F5344CB8AC3E}">
+        <p14:creationId xmlns:p14="http://schemas.microsoft.com/office/powerpoint/2010/main" val="151569883"/>
+      </p:ext>
+    </p:extLst>
+  </p:cSld>
+  <p:clrMapOvr>
+    <a:masterClrMapping/>
+  </p:clrMapOvr>
+</p:sld>
+</file>
+
+<file path=ppt/slides/slide13.xml><?xml version="1.0" encoding="utf-8"?>
 <p:sld xmlns:a="http://schemas.openxmlformats.org/drawingml/2006/main" xmlns:r="http://schemas.openxmlformats.org/officeDocument/2006/relationships" xmlns:p="http://schemas.openxmlformats.org/presentationml/2006/main">
   <p:cSld>
     <p:spTree>
@@ -4007,7 +4457,7 @@
           <p:cNvPr id="2" name="Title 1">
             <a:extLst>
               <a:ext uri="{FF2B5EF4-FFF2-40B4-BE49-F238E27FC236}">
-                <a16:creationId xmlns:a16="http://schemas.microsoft.com/office/drawing/2014/main" id="{E4338DAB-27B1-E7F3-C3E1-F10821402B8B}"/>
+                <a16:creationId xmlns:a16="http://schemas.microsoft.com/office/drawing/2014/main" id="{25F2038C-C00E-7DA6-DDEB-418F75177B7B}"/>
               </a:ext>
             </a:extLst>
           </p:cNvPr>
@@ -4020,8 +4470,8 @@
         </p:nvSpPr>
         <p:spPr>
           <a:xfrm>
-            <a:off x="838200" y="197964"/>
-            <a:ext cx="10515600" cy="1197204"/>
+            <a:off x="838200" y="1"/>
+            <a:ext cx="10515600" cy="1159496"/>
           </a:xfrm>
         </p:spPr>
         <p:txBody>
@@ -4035,62 +4485,514 @@
                 <a:latin typeface="Times New Roman" panose="02020603050405020304" pitchFamily="18" charset="0"/>
                 <a:cs typeface="Times New Roman" panose="02020603050405020304" pitchFamily="18" charset="0"/>
               </a:rPr>
-              <a:t>FLOWCHART</a:t>
-            </a:r>
-          </a:p>
-        </p:txBody>
-      </p:sp>
-      <p:pic>
-        <p:nvPicPr>
-          <p:cNvPr id="4" name="Content Placeholder 3" descr="Business Process Reengineering Management Flow Chart For Bookstore PPT  Example">
+              <a:t>PRE-REQUISITES</a:t>
+            </a:r>
+          </a:p>
+        </p:txBody>
+      </p:sp>
+      <p:sp>
+        <p:nvSpPr>
+          <p:cNvPr id="3" name="Content Placeholder 2">
             <a:extLst>
               <a:ext uri="{FF2B5EF4-FFF2-40B4-BE49-F238E27FC236}">
-                <a16:creationId xmlns:a16="http://schemas.microsoft.com/office/drawing/2014/main" id="{BEBC1BE2-0AF6-FC61-B466-4906BBFD57BE}"/>
+                <a16:creationId xmlns:a16="http://schemas.microsoft.com/office/drawing/2014/main" id="{F66687F3-BA53-7CC0-B3EE-7C39D596D7AA}"/>
               </a:ext>
             </a:extLst>
           </p:cNvPr>
-          <p:cNvPicPr>
-            <a:picLocks noGrp="1" noChangeAspect="1" noChangeArrowheads="1"/>
-          </p:cNvPicPr>
+          <p:cNvSpPr>
+            <a:spLocks noGrp="1"/>
+          </p:cNvSpPr>
           <p:nvPr>
             <p:ph idx="1"/>
           </p:nvPr>
-        </p:nvPicPr>
-        <p:blipFill rotWithShape="1">
-          <a:blip r:embed="rId2">
-            <a:extLst>
-              <a:ext uri="{28A0092B-C50C-407E-A947-70E740481C1C}">
-                <a14:useLocalDpi xmlns:a14="http://schemas.microsoft.com/office/drawing/2010/main" val="0"/>
-              </a:ext>
-            </a:extLst>
-          </a:blip>
-          <a:srcRect l="-234" t="15555" r="234" b="6041"/>
-          <a:stretch/>
-        </p:blipFill>
-        <p:spPr bwMode="auto">
+        </p:nvSpPr>
+        <p:spPr>
           <a:xfrm>
-            <a:off x="838200" y="1225485"/>
-            <a:ext cx="10417404" cy="4951478"/>
+            <a:off x="838200" y="1027522"/>
+            <a:ext cx="10515600" cy="5288437"/>
           </a:xfrm>
-          <a:prstGeom prst="rect">
-            <a:avLst/>
-          </a:prstGeom>
-          <a:noFill/>
-          <a:extLst>
-            <a:ext uri="{909E8E84-426E-40DD-AFC4-6F175D3DCCD1}">
-              <a14:hiddenFill xmlns:a14="http://schemas.microsoft.com/office/drawing/2010/main">
-                <a:solidFill>
-                  <a:srgbClr val="FFFFFF"/>
-                </a:solidFill>
-              </a14:hiddenFill>
-            </a:ext>
-          </a:extLst>
         </p:spPr>
-      </p:pic>
+        <p:txBody>
+          <a:bodyPr>
+            <a:normAutofit fontScale="55000" lnSpcReduction="20000"/>
+          </a:bodyPr>
+          <a:lstStyle/>
+          <a:p>
+            <a:pPr marL="0" indent="0" algn="just">
+              <a:buNone/>
+            </a:pPr>
+            <a:r>
+              <a:rPr lang="en-US" sz="3600" b="1" dirty="0">
+                <a:latin typeface="Times New Roman" pitchFamily="18" charset="0"/>
+                <a:cs typeface="Times New Roman" pitchFamily="18" charset="0"/>
+              </a:rPr>
+              <a:t>1</a:t>
+            </a:r>
+            <a:r>
+              <a:rPr lang="en-US" sz="3600" b="1" i="1" dirty="0">
+                <a:latin typeface="Times New Roman" pitchFamily="18" charset="0"/>
+                <a:cs typeface="Times New Roman" pitchFamily="18" charset="0"/>
+              </a:rPr>
+              <a:t>. </a:t>
+            </a:r>
+            <a:r>
+              <a:rPr lang="en-US" sz="3600" b="1" u="sng" dirty="0">
+                <a:latin typeface="Times New Roman" pitchFamily="18" charset="0"/>
+                <a:cs typeface="Times New Roman" pitchFamily="18" charset="0"/>
+              </a:rPr>
+              <a:t>Development Environment</a:t>
+            </a:r>
+            <a:endParaRPr lang="en-US" sz="3600" b="1" i="1" u="sng" dirty="0">
+              <a:latin typeface="Times New Roman" pitchFamily="18" charset="0"/>
+              <a:cs typeface="Times New Roman" pitchFamily="18" charset="0"/>
+            </a:endParaRPr>
+          </a:p>
+          <a:p>
+            <a:pPr algn="just"/>
+            <a:r>
+              <a:rPr lang="en-US" sz="3600" b="1" dirty="0">
+                <a:latin typeface="Times New Roman" pitchFamily="18" charset="0"/>
+                <a:cs typeface="Times New Roman" pitchFamily="18" charset="0"/>
+              </a:rPr>
+              <a:t>Node.js &amp; </a:t>
+            </a:r>
+            <a:r>
+              <a:rPr lang="en-US" sz="3600" b="1" dirty="0" err="1">
+                <a:latin typeface="Times New Roman" pitchFamily="18" charset="0"/>
+                <a:cs typeface="Times New Roman" pitchFamily="18" charset="0"/>
+              </a:rPr>
+              <a:t>npm</a:t>
+            </a:r>
+            <a:r>
+              <a:rPr lang="en-US" sz="3600" dirty="0">
+                <a:latin typeface="Times New Roman" pitchFamily="18" charset="0"/>
+                <a:cs typeface="Times New Roman" pitchFamily="18" charset="0"/>
+              </a:rPr>
+              <a:t>: Installed to manage packages and run the backend (download from Node.js website).</a:t>
+            </a:r>
+          </a:p>
+          <a:p>
+            <a:pPr algn="just"/>
+            <a:r>
+              <a:rPr lang="en-US" sz="3600" b="1" dirty="0">
+                <a:latin typeface="Times New Roman" pitchFamily="18" charset="0"/>
+                <a:cs typeface="Times New Roman" pitchFamily="18" charset="0"/>
+              </a:rPr>
+              <a:t>MongoDB</a:t>
+            </a:r>
+            <a:r>
+              <a:rPr lang="en-US" sz="3600" dirty="0">
+                <a:latin typeface="Times New Roman" pitchFamily="18" charset="0"/>
+                <a:cs typeface="Times New Roman" pitchFamily="18" charset="0"/>
+              </a:rPr>
+              <a:t>: Install MongoDB locally or use </a:t>
+            </a:r>
+            <a:r>
+              <a:rPr lang="en-US" sz="3600" b="1" dirty="0">
+                <a:latin typeface="Times New Roman" pitchFamily="18" charset="0"/>
+                <a:cs typeface="Times New Roman" pitchFamily="18" charset="0"/>
+              </a:rPr>
+              <a:t>MongoDB Atlas</a:t>
+            </a:r>
+            <a:r>
+              <a:rPr lang="en-US" sz="3600" dirty="0">
+                <a:latin typeface="Times New Roman" pitchFamily="18" charset="0"/>
+                <a:cs typeface="Times New Roman" pitchFamily="18" charset="0"/>
+              </a:rPr>
+              <a:t> for cloud-hosted solutions.</a:t>
+            </a:r>
+          </a:p>
+          <a:p>
+            <a:pPr algn="just"/>
+            <a:r>
+              <a:rPr lang="en-US" sz="3600" b="1" dirty="0">
+                <a:latin typeface="Times New Roman" pitchFamily="18" charset="0"/>
+                <a:cs typeface="Times New Roman" pitchFamily="18" charset="0"/>
+              </a:rPr>
+              <a:t>Code Editor</a:t>
+            </a:r>
+            <a:r>
+              <a:rPr lang="en-US" sz="3600" dirty="0">
+                <a:latin typeface="Times New Roman" pitchFamily="18" charset="0"/>
+                <a:cs typeface="Times New Roman" pitchFamily="18" charset="0"/>
+              </a:rPr>
+              <a:t>: Recommended: </a:t>
+            </a:r>
+            <a:r>
+              <a:rPr lang="en-US" sz="3600" b="1" dirty="0">
+                <a:latin typeface="Times New Roman" pitchFamily="18" charset="0"/>
+                <a:cs typeface="Times New Roman" pitchFamily="18" charset="0"/>
+              </a:rPr>
+              <a:t>Visual Studio Code</a:t>
+            </a:r>
+            <a:r>
+              <a:rPr lang="en-US" sz="3600" dirty="0">
+                <a:latin typeface="Times New Roman" pitchFamily="18" charset="0"/>
+                <a:cs typeface="Times New Roman" pitchFamily="18" charset="0"/>
+              </a:rPr>
+              <a:t> (with extensions for linting, React, and MongoDB).</a:t>
+            </a:r>
+          </a:p>
+          <a:p>
+            <a:pPr algn="just"/>
+            <a:r>
+              <a:rPr lang="en-US" sz="3600" b="1" dirty="0">
+                <a:latin typeface="Times New Roman" pitchFamily="18" charset="0"/>
+                <a:cs typeface="Times New Roman" pitchFamily="18" charset="0"/>
+              </a:rPr>
+              <a:t>Version Control</a:t>
+            </a:r>
+            <a:r>
+              <a:rPr lang="en-US" sz="3600" dirty="0">
+                <a:latin typeface="Times New Roman" pitchFamily="18" charset="0"/>
+                <a:cs typeface="Times New Roman" pitchFamily="18" charset="0"/>
+              </a:rPr>
+              <a:t>: </a:t>
+            </a:r>
+            <a:r>
+              <a:rPr lang="en-US" sz="3600" b="1" dirty="0">
+                <a:latin typeface="Times New Roman" pitchFamily="18" charset="0"/>
+                <a:cs typeface="Times New Roman" pitchFamily="18" charset="0"/>
+              </a:rPr>
+              <a:t>Git</a:t>
+            </a:r>
+            <a:r>
+              <a:rPr lang="en-US" sz="3600" dirty="0">
+                <a:latin typeface="Times New Roman" pitchFamily="18" charset="0"/>
+                <a:cs typeface="Times New Roman" pitchFamily="18" charset="0"/>
+              </a:rPr>
+              <a:t> for source code management (GitHub for project hosting).</a:t>
+            </a:r>
+          </a:p>
+          <a:p>
+            <a:pPr algn="just"/>
+            <a:r>
+              <a:rPr lang="en-US" sz="3600" b="1" dirty="0">
+                <a:latin typeface="Times New Roman" pitchFamily="18" charset="0"/>
+                <a:cs typeface="Times New Roman" pitchFamily="18" charset="0"/>
+              </a:rPr>
+              <a:t>Browser</a:t>
+            </a:r>
+            <a:r>
+              <a:rPr lang="en-US" sz="3600" dirty="0">
+                <a:latin typeface="Times New Roman" pitchFamily="18" charset="0"/>
+                <a:cs typeface="Times New Roman" pitchFamily="18" charset="0"/>
+              </a:rPr>
+              <a:t>: Modern browser like </a:t>
+            </a:r>
+            <a:r>
+              <a:rPr lang="en-US" sz="3600" b="1" dirty="0">
+                <a:latin typeface="Times New Roman" pitchFamily="18" charset="0"/>
+                <a:cs typeface="Times New Roman" pitchFamily="18" charset="0"/>
+              </a:rPr>
+              <a:t>Google Chrome</a:t>
+            </a:r>
+            <a:r>
+              <a:rPr lang="en-US" sz="3600" dirty="0">
+                <a:latin typeface="Times New Roman" pitchFamily="18" charset="0"/>
+                <a:cs typeface="Times New Roman" pitchFamily="18" charset="0"/>
+              </a:rPr>
+              <a:t> (for React </a:t>
+            </a:r>
+            <a:r>
+              <a:rPr lang="en-US" sz="3600" dirty="0" err="1">
+                <a:latin typeface="Times New Roman" pitchFamily="18" charset="0"/>
+                <a:cs typeface="Times New Roman" pitchFamily="18" charset="0"/>
+              </a:rPr>
+              <a:t>DevTools</a:t>
+            </a:r>
+            <a:r>
+              <a:rPr lang="en-US" sz="3600" dirty="0">
+                <a:latin typeface="Times New Roman" pitchFamily="18" charset="0"/>
+                <a:cs typeface="Times New Roman" pitchFamily="18" charset="0"/>
+              </a:rPr>
+              <a:t> and testing).</a:t>
+            </a:r>
+          </a:p>
+          <a:p>
+            <a:pPr algn="just"/>
+            <a:endParaRPr lang="en-US" sz="3600" dirty="0">
+              <a:latin typeface="Times New Roman" pitchFamily="18" charset="0"/>
+              <a:cs typeface="Times New Roman" pitchFamily="18" charset="0"/>
+            </a:endParaRPr>
+          </a:p>
+          <a:p>
+            <a:pPr marL="0" indent="0" algn="just">
+              <a:buNone/>
+            </a:pPr>
+            <a:r>
+              <a:rPr lang="en-US" sz="3600" b="1" dirty="0">
+                <a:latin typeface="Times New Roman" pitchFamily="18" charset="0"/>
+                <a:cs typeface="Times New Roman" pitchFamily="18" charset="0"/>
+              </a:rPr>
+              <a:t>2. </a:t>
+            </a:r>
+            <a:r>
+              <a:rPr lang="en-US" sz="3600" b="1" u="sng" dirty="0" err="1">
+                <a:latin typeface="Times New Roman" pitchFamily="18" charset="0"/>
+                <a:cs typeface="Times New Roman" pitchFamily="18" charset="0"/>
+              </a:rPr>
+              <a:t>Librarires</a:t>
+            </a:r>
+            <a:r>
+              <a:rPr lang="en-US" sz="3600" b="1" u="sng" dirty="0">
+                <a:latin typeface="Times New Roman" pitchFamily="18" charset="0"/>
+                <a:cs typeface="Times New Roman" pitchFamily="18" charset="0"/>
+              </a:rPr>
+              <a:t> and Tools</a:t>
+            </a:r>
+            <a:endParaRPr lang="en-US" sz="3600" b="1" i="1" u="sng" dirty="0">
+              <a:latin typeface="Times New Roman" pitchFamily="18" charset="0"/>
+              <a:cs typeface="Times New Roman" pitchFamily="18" charset="0"/>
+            </a:endParaRPr>
+          </a:p>
+          <a:p>
+            <a:pPr algn="just"/>
+            <a:r>
+              <a:rPr lang="en-US" sz="3600" b="1" dirty="0">
+                <a:latin typeface="Times New Roman" pitchFamily="18" charset="0"/>
+                <a:cs typeface="Times New Roman" pitchFamily="18" charset="0"/>
+              </a:rPr>
+              <a:t>React</a:t>
+            </a:r>
+            <a:r>
+              <a:rPr lang="en-US" sz="3600" dirty="0">
+                <a:latin typeface="Times New Roman" pitchFamily="18" charset="0"/>
+                <a:cs typeface="Times New Roman" pitchFamily="18" charset="0"/>
+              </a:rPr>
+              <a:t>: Install via </a:t>
+            </a:r>
+            <a:r>
+              <a:rPr lang="en-US" sz="3600" dirty="0" err="1">
+                <a:latin typeface="Times New Roman" pitchFamily="18" charset="0"/>
+                <a:cs typeface="Times New Roman" pitchFamily="18" charset="0"/>
+              </a:rPr>
+              <a:t>npx</a:t>
+            </a:r>
+            <a:r>
+              <a:rPr lang="en-US" sz="3600" dirty="0">
+                <a:latin typeface="Times New Roman" pitchFamily="18" charset="0"/>
+                <a:cs typeface="Times New Roman" pitchFamily="18" charset="0"/>
+              </a:rPr>
+              <a:t> create-react-app.</a:t>
+            </a:r>
+          </a:p>
+          <a:p>
+            <a:pPr algn="just"/>
+            <a:r>
+              <a:rPr lang="en-US" sz="3600" b="1" dirty="0">
+                <a:latin typeface="Times New Roman" pitchFamily="18" charset="0"/>
+                <a:cs typeface="Times New Roman" pitchFamily="18" charset="0"/>
+              </a:rPr>
+              <a:t>Express &amp; Node.js</a:t>
+            </a:r>
+            <a:r>
+              <a:rPr lang="en-US" sz="3600" dirty="0">
+                <a:latin typeface="Times New Roman" pitchFamily="18" charset="0"/>
+                <a:cs typeface="Times New Roman" pitchFamily="18" charset="0"/>
+              </a:rPr>
+              <a:t>: Install via </a:t>
+            </a:r>
+            <a:r>
+              <a:rPr lang="en-US" sz="3600" dirty="0" err="1">
+                <a:latin typeface="Times New Roman" pitchFamily="18" charset="0"/>
+                <a:cs typeface="Times New Roman" pitchFamily="18" charset="0"/>
+              </a:rPr>
+              <a:t>npm</a:t>
+            </a:r>
+            <a:r>
+              <a:rPr lang="en-US" sz="3600" dirty="0">
+                <a:latin typeface="Times New Roman" pitchFamily="18" charset="0"/>
+                <a:cs typeface="Times New Roman" pitchFamily="18" charset="0"/>
+              </a:rPr>
+              <a:t> (</a:t>
+            </a:r>
+            <a:r>
+              <a:rPr lang="en-US" sz="3600" dirty="0" err="1">
+                <a:latin typeface="Times New Roman" pitchFamily="18" charset="0"/>
+                <a:cs typeface="Times New Roman" pitchFamily="18" charset="0"/>
+              </a:rPr>
+              <a:t>npm</a:t>
+            </a:r>
+            <a:r>
+              <a:rPr lang="en-US" sz="3600" dirty="0">
+                <a:latin typeface="Times New Roman" pitchFamily="18" charset="0"/>
+                <a:cs typeface="Times New Roman" pitchFamily="18" charset="0"/>
+              </a:rPr>
+              <a:t> install express).</a:t>
+            </a:r>
+          </a:p>
+          <a:p>
+            <a:pPr algn="just"/>
+            <a:r>
+              <a:rPr lang="en-US" sz="3600" b="1" dirty="0">
+                <a:latin typeface="Times New Roman" pitchFamily="18" charset="0"/>
+                <a:cs typeface="Times New Roman" pitchFamily="18" charset="0"/>
+              </a:rPr>
+              <a:t>Mongoose</a:t>
+            </a:r>
+            <a:r>
+              <a:rPr lang="en-US" sz="3600" dirty="0">
+                <a:latin typeface="Times New Roman" pitchFamily="18" charset="0"/>
+                <a:cs typeface="Times New Roman" pitchFamily="18" charset="0"/>
+              </a:rPr>
+              <a:t>: For MongoDB object modeling (</a:t>
+            </a:r>
+            <a:r>
+              <a:rPr lang="en-US" sz="3600" dirty="0" err="1">
+                <a:latin typeface="Times New Roman" pitchFamily="18" charset="0"/>
+                <a:cs typeface="Times New Roman" pitchFamily="18" charset="0"/>
+              </a:rPr>
+              <a:t>npm</a:t>
+            </a:r>
+            <a:r>
+              <a:rPr lang="en-US" sz="3600" dirty="0">
+                <a:latin typeface="Times New Roman" pitchFamily="18" charset="0"/>
+                <a:cs typeface="Times New Roman" pitchFamily="18" charset="0"/>
+              </a:rPr>
+              <a:t> install mongoose).</a:t>
+            </a:r>
+          </a:p>
+          <a:p>
+            <a:pPr algn="just"/>
+            <a:r>
+              <a:rPr lang="en-US" sz="3600" b="1" dirty="0" err="1">
+                <a:latin typeface="Times New Roman" pitchFamily="18" charset="0"/>
+                <a:cs typeface="Times New Roman" pitchFamily="18" charset="0"/>
+              </a:rPr>
+              <a:t>Axios</a:t>
+            </a:r>
+            <a:r>
+              <a:rPr lang="en-US" sz="3600" b="1" dirty="0">
+                <a:latin typeface="Times New Roman" pitchFamily="18" charset="0"/>
+                <a:cs typeface="Times New Roman" pitchFamily="18" charset="0"/>
+              </a:rPr>
+              <a:t>/Fetch</a:t>
+            </a:r>
+            <a:r>
+              <a:rPr lang="en-US" sz="3600" dirty="0">
+                <a:latin typeface="Times New Roman" pitchFamily="18" charset="0"/>
+                <a:cs typeface="Times New Roman" pitchFamily="18" charset="0"/>
+              </a:rPr>
+              <a:t>: For making HTTP requests from the frontend (</a:t>
+            </a:r>
+            <a:r>
+              <a:rPr lang="en-US" sz="3600" dirty="0" err="1">
+                <a:latin typeface="Times New Roman" pitchFamily="18" charset="0"/>
+                <a:cs typeface="Times New Roman" pitchFamily="18" charset="0"/>
+              </a:rPr>
+              <a:t>npm</a:t>
+            </a:r>
+            <a:r>
+              <a:rPr lang="en-US" sz="3600" dirty="0">
+                <a:latin typeface="Times New Roman" pitchFamily="18" charset="0"/>
+                <a:cs typeface="Times New Roman" pitchFamily="18" charset="0"/>
+              </a:rPr>
+              <a:t> install </a:t>
+            </a:r>
+            <a:r>
+              <a:rPr lang="en-US" sz="3600" dirty="0" err="1">
+                <a:latin typeface="Times New Roman" pitchFamily="18" charset="0"/>
+                <a:cs typeface="Times New Roman" pitchFamily="18" charset="0"/>
+              </a:rPr>
+              <a:t>axios</a:t>
+            </a:r>
+            <a:r>
+              <a:rPr lang="en-US" sz="3600" dirty="0">
+                <a:latin typeface="Times New Roman" pitchFamily="18" charset="0"/>
+                <a:cs typeface="Times New Roman" pitchFamily="18" charset="0"/>
+              </a:rPr>
+              <a:t>).</a:t>
+            </a:r>
+          </a:p>
+          <a:p>
+            <a:pPr algn="just"/>
+            <a:r>
+              <a:rPr lang="en-US" sz="3600" b="1" dirty="0">
+                <a:latin typeface="Times New Roman" pitchFamily="18" charset="0"/>
+                <a:cs typeface="Times New Roman" pitchFamily="18" charset="0"/>
+              </a:rPr>
+              <a:t>JWT (</a:t>
+            </a:r>
+            <a:r>
+              <a:rPr lang="en-US" sz="3600" b="1" dirty="0" err="1">
+                <a:latin typeface="Times New Roman" pitchFamily="18" charset="0"/>
+                <a:cs typeface="Times New Roman" pitchFamily="18" charset="0"/>
+              </a:rPr>
+              <a:t>jsonwebtoken</a:t>
+            </a:r>
+            <a:r>
+              <a:rPr lang="en-US" sz="3600" b="1" dirty="0">
+                <a:latin typeface="Times New Roman" pitchFamily="18" charset="0"/>
+                <a:cs typeface="Times New Roman" pitchFamily="18" charset="0"/>
+              </a:rPr>
+              <a:t>)</a:t>
+            </a:r>
+            <a:r>
+              <a:rPr lang="en-US" sz="3600" dirty="0">
+                <a:latin typeface="Times New Roman" pitchFamily="18" charset="0"/>
+                <a:cs typeface="Times New Roman" pitchFamily="18" charset="0"/>
+              </a:rPr>
+              <a:t>: For authentication (</a:t>
+            </a:r>
+            <a:r>
+              <a:rPr lang="en-US" sz="3600" dirty="0" err="1">
+                <a:latin typeface="Times New Roman" pitchFamily="18" charset="0"/>
+                <a:cs typeface="Times New Roman" pitchFamily="18" charset="0"/>
+              </a:rPr>
+              <a:t>npm</a:t>
+            </a:r>
+            <a:r>
+              <a:rPr lang="en-US" sz="3600" dirty="0">
+                <a:latin typeface="Times New Roman" pitchFamily="18" charset="0"/>
+                <a:cs typeface="Times New Roman" pitchFamily="18" charset="0"/>
+              </a:rPr>
+              <a:t> install </a:t>
+            </a:r>
+            <a:r>
+              <a:rPr lang="en-US" sz="3600" dirty="0" err="1">
+                <a:latin typeface="Times New Roman" pitchFamily="18" charset="0"/>
+                <a:cs typeface="Times New Roman" pitchFamily="18" charset="0"/>
+              </a:rPr>
+              <a:t>jsonwebtoken</a:t>
+            </a:r>
+            <a:r>
+              <a:rPr lang="en-US" sz="3600" dirty="0">
+                <a:latin typeface="Times New Roman" pitchFamily="18" charset="0"/>
+                <a:cs typeface="Times New Roman" pitchFamily="18" charset="0"/>
+              </a:rPr>
+              <a:t>).</a:t>
+            </a:r>
+          </a:p>
+          <a:p>
+            <a:pPr algn="just"/>
+            <a:r>
+              <a:rPr lang="en-US" sz="3600" b="1" dirty="0">
+                <a:latin typeface="Times New Roman" pitchFamily="18" charset="0"/>
+                <a:cs typeface="Times New Roman" pitchFamily="18" charset="0"/>
+              </a:rPr>
+              <a:t>Stripe/PayPal SDK</a:t>
+            </a:r>
+            <a:r>
+              <a:rPr lang="en-US" sz="3600" dirty="0">
+                <a:latin typeface="Times New Roman" pitchFamily="18" charset="0"/>
+                <a:cs typeface="Times New Roman" pitchFamily="18" charset="0"/>
+              </a:rPr>
+              <a:t>: For payment integration.</a:t>
+            </a:r>
+          </a:p>
+          <a:p>
+            <a:endParaRPr lang="en-IN" dirty="0">
+              <a:latin typeface="Times New Roman" panose="02020603050405020304" pitchFamily="18" charset="0"/>
+              <a:cs typeface="Times New Roman" panose="02020603050405020304" pitchFamily="18" charset="0"/>
+            </a:endParaRPr>
+          </a:p>
+        </p:txBody>
+      </p:sp>
     </p:spTree>
     <p:extLst>
       <p:ext uri="{BB962C8B-B14F-4D97-AF65-F5344CB8AC3E}">
-        <p14:creationId xmlns:p14="http://schemas.microsoft.com/office/powerpoint/2010/main" val="2482554202"/>
+        <p14:creationId xmlns:p14="http://schemas.microsoft.com/office/powerpoint/2010/main" val="3073649323"/>
       </p:ext>
     </p:extLst>
   </p:cSld>
@@ -4122,7 +5024,7 @@
           <p:cNvPr id="2" name="Title 1">
             <a:extLst>
               <a:ext uri="{FF2B5EF4-FFF2-40B4-BE49-F238E27FC236}">
-                <a16:creationId xmlns:a16="http://schemas.microsoft.com/office/drawing/2014/main" id="{4FE82733-E8DD-F8F8-04EB-0AC5EFDEBFAD}"/>
+                <a16:creationId xmlns:a16="http://schemas.microsoft.com/office/drawing/2014/main" id="{2C5F7F2D-4339-48D8-D44E-EFE956CA0CC9}"/>
               </a:ext>
             </a:extLst>
           </p:cNvPr>
@@ -4133,7 +5035,12 @@
             <p:ph type="title"/>
           </p:nvPr>
         </p:nvSpPr>
-        <p:spPr/>
+        <p:spPr>
+          <a:xfrm>
+            <a:off x="838200" y="1"/>
+            <a:ext cx="10515600" cy="1065228"/>
+          </a:xfrm>
+        </p:spPr>
         <p:txBody>
           <a:bodyPr>
             <a:normAutofit/>
@@ -4145,7 +5052,7 @@
                 <a:latin typeface="Times New Roman" panose="02020603050405020304" pitchFamily="18" charset="0"/>
                 <a:cs typeface="Times New Roman" panose="02020603050405020304" pitchFamily="18" charset="0"/>
               </a:rPr>
-              <a:t>CONCLUSION</a:t>
+              <a:t>ARCHITECTURE</a:t>
             </a:r>
           </a:p>
         </p:txBody>
@@ -4155,7 +5062,7 @@
           <p:cNvPr id="3" name="Content Placeholder 2">
             <a:extLst>
               <a:ext uri="{FF2B5EF4-FFF2-40B4-BE49-F238E27FC236}">
-                <a16:creationId xmlns:a16="http://schemas.microsoft.com/office/drawing/2014/main" id="{F6F9A688-022E-AB0E-E97A-447CA8B634BE}"/>
+                <a16:creationId xmlns:a16="http://schemas.microsoft.com/office/drawing/2014/main" id="{55CE19D4-A5CC-9832-12D4-88CD5A4E646A}"/>
               </a:ext>
             </a:extLst>
           </p:cNvPr>
@@ -4166,42 +5073,267 @@
             <p:ph idx="1"/>
           </p:nvPr>
         </p:nvSpPr>
-        <p:spPr/>
+        <p:spPr>
+          <a:xfrm>
+            <a:off x="838200" y="1178351"/>
+            <a:ext cx="10515600" cy="4998612"/>
+          </a:xfrm>
+        </p:spPr>
         <p:txBody>
           <a:bodyPr>
-            <a:normAutofit/>
+            <a:normAutofit fontScale="85000" lnSpcReduction="20000"/>
           </a:bodyPr>
           <a:lstStyle/>
           <a:p>
+            <a:pPr marL="0" indent="0" algn="just">
+              <a:buNone/>
+            </a:pPr>
+            <a:r>
+              <a:rPr lang="en-US" sz="2800" b="1" dirty="0">
+                <a:latin typeface="Times New Roman" pitchFamily="18" charset="0"/>
+                <a:cs typeface="Times New Roman" pitchFamily="18" charset="0"/>
+              </a:rPr>
+              <a:t>1. </a:t>
+            </a:r>
+            <a:r>
+              <a:rPr lang="en-US" sz="2800" b="1" u="sng" dirty="0">
+                <a:latin typeface="Times New Roman" pitchFamily="18" charset="0"/>
+                <a:cs typeface="Times New Roman" pitchFamily="18" charset="0"/>
+              </a:rPr>
+              <a:t>Frontend (React)</a:t>
+            </a:r>
+            <a:endParaRPr lang="en-US" sz="2800" u="sng" dirty="0">
+              <a:latin typeface="Times New Roman" pitchFamily="18" charset="0"/>
+              <a:cs typeface="Times New Roman" pitchFamily="18" charset="0"/>
+            </a:endParaRPr>
+          </a:p>
+          <a:p>
             <a:pPr algn="just"/>
             <a:r>
-              <a:rPr lang="en-US" sz="2400" dirty="0">
-                <a:latin typeface="Times New Roman" pitchFamily="18" charset="0"/>
-                <a:cs typeface="Times New Roman" pitchFamily="18" charset="0"/>
-              </a:rPr>
-              <a:t>The bookstore website has been crafted to provide an engaging, efficient, and user-friendly platform for book enthusiasts. By combining a broad selection of titles, intuitive search features, and a secure checkout process, it ensures a seamless experience from browsing to purchase. With its responsive design, the website caters to users across all devices, enhancing accessibility and convenience. </a:t>
+              <a:rPr lang="en-US" sz="2800" b="1" dirty="0">
+                <a:latin typeface="Times New Roman" pitchFamily="18" charset="0"/>
+                <a:cs typeface="Times New Roman" pitchFamily="18" charset="0"/>
+              </a:rPr>
+              <a:t>React.js</a:t>
+            </a:r>
+            <a:r>
+              <a:rPr lang="en-US" sz="2800" dirty="0">
+                <a:latin typeface="Times New Roman" pitchFamily="18" charset="0"/>
+                <a:cs typeface="Times New Roman" pitchFamily="18" charset="0"/>
+              </a:rPr>
+              <a:t>: Dynamic, interactive UI.</a:t>
             </a:r>
           </a:p>
           <a:p>
             <a:pPr algn="just"/>
             <a:r>
-              <a:rPr lang="en-US" sz="2400" dirty="0">
-                <a:latin typeface="Times New Roman" pitchFamily="18" charset="0"/>
-                <a:cs typeface="Times New Roman" pitchFamily="18" charset="0"/>
-              </a:rPr>
-              <a:t>By prioritizing personalized recommendations and a diverse collection, it aspires to be the go-to destination for readers of all kinds. This platform not only simplifies the process of buying books but also fosters a love for reading, making it a valuable resource for book lovers in the digital age.</a:t>
-            </a:r>
-            <a:endParaRPr lang="en-IN" sz="2400" dirty="0">
-              <a:latin typeface="Times New Roman" panose="02020603050405020304" pitchFamily="18" charset="0"/>
-              <a:cs typeface="Times New Roman" panose="02020603050405020304" pitchFamily="18" charset="0"/>
+              <a:rPr lang="en-US" sz="2800" b="1" dirty="0">
+                <a:latin typeface="Times New Roman" pitchFamily="18" charset="0"/>
+                <a:cs typeface="Times New Roman" pitchFamily="18" charset="0"/>
+              </a:rPr>
+              <a:t>Components</a:t>
+            </a:r>
+            <a:r>
+              <a:rPr lang="en-US" sz="2800" dirty="0">
+                <a:latin typeface="Times New Roman" pitchFamily="18" charset="0"/>
+                <a:cs typeface="Times New Roman" pitchFamily="18" charset="0"/>
+              </a:rPr>
+              <a:t>: Reusable UI elements (Book List, Search, Cart).</a:t>
+            </a:r>
+          </a:p>
+          <a:p>
+            <a:pPr algn="just"/>
+            <a:r>
+              <a:rPr lang="en-US" sz="2800" b="1" dirty="0">
+                <a:latin typeface="Times New Roman" pitchFamily="18" charset="0"/>
+                <a:cs typeface="Times New Roman" pitchFamily="18" charset="0"/>
+              </a:rPr>
+              <a:t>Routing</a:t>
+            </a:r>
+            <a:r>
+              <a:rPr lang="en-US" sz="2800" dirty="0">
+                <a:latin typeface="Times New Roman" pitchFamily="18" charset="0"/>
+                <a:cs typeface="Times New Roman" pitchFamily="18" charset="0"/>
+              </a:rPr>
+              <a:t>: Client-side navigation with React Router.</a:t>
+            </a:r>
+          </a:p>
+          <a:p>
+            <a:pPr algn="just"/>
+            <a:r>
+              <a:rPr lang="en-US" sz="2800" b="1" dirty="0">
+                <a:latin typeface="Times New Roman" pitchFamily="18" charset="0"/>
+                <a:cs typeface="Times New Roman" pitchFamily="18" charset="0"/>
+              </a:rPr>
+              <a:t>State Management</a:t>
+            </a:r>
+            <a:r>
+              <a:rPr lang="en-US" sz="2800" dirty="0">
+                <a:latin typeface="Times New Roman" pitchFamily="18" charset="0"/>
+                <a:cs typeface="Times New Roman" pitchFamily="18" charset="0"/>
+              </a:rPr>
+              <a:t>: Redux or Context API for handling state (cart, user data).</a:t>
+            </a:r>
+          </a:p>
+          <a:p>
+            <a:pPr algn="just"/>
+            <a:r>
+              <a:rPr lang="en-US" sz="2800" b="1" dirty="0">
+                <a:latin typeface="Times New Roman" pitchFamily="18" charset="0"/>
+                <a:cs typeface="Times New Roman" pitchFamily="18" charset="0"/>
+              </a:rPr>
+              <a:t>Frontend</a:t>
+            </a:r>
+            <a:r>
+              <a:rPr lang="en-US" sz="2800" dirty="0">
+                <a:latin typeface="Times New Roman" pitchFamily="18" charset="0"/>
+                <a:cs typeface="Times New Roman" pitchFamily="18" charset="0"/>
+              </a:rPr>
+              <a:t>: Hosted on </a:t>
+            </a:r>
+            <a:r>
+              <a:rPr lang="en-US" sz="2800" b="1" dirty="0">
+                <a:latin typeface="Times New Roman" pitchFamily="18" charset="0"/>
+                <a:cs typeface="Times New Roman" pitchFamily="18" charset="0"/>
+              </a:rPr>
+              <a:t>Netlify/</a:t>
+            </a:r>
+            <a:r>
+              <a:rPr lang="en-US" sz="2800" b="1" dirty="0" err="1">
+                <a:latin typeface="Times New Roman" pitchFamily="18" charset="0"/>
+                <a:cs typeface="Times New Roman" pitchFamily="18" charset="0"/>
+              </a:rPr>
+              <a:t>Vercel</a:t>
+            </a:r>
+            <a:r>
+              <a:rPr lang="en-US" sz="2800" dirty="0">
+                <a:latin typeface="Times New Roman" pitchFamily="18" charset="0"/>
+                <a:cs typeface="Times New Roman" pitchFamily="18" charset="0"/>
+              </a:rPr>
+              <a:t>.</a:t>
+            </a:r>
+          </a:p>
+          <a:p>
+            <a:pPr algn="just"/>
+            <a:endParaRPr lang="en-US" sz="2800" dirty="0">
+              <a:latin typeface="Times New Roman" pitchFamily="18" charset="0"/>
+              <a:cs typeface="Times New Roman" pitchFamily="18" charset="0"/>
             </a:endParaRPr>
+          </a:p>
+          <a:p>
+            <a:pPr marL="0" indent="0" algn="just">
+              <a:buNone/>
+            </a:pPr>
+            <a:r>
+              <a:rPr lang="en-US" sz="2800" b="1" dirty="0">
+                <a:latin typeface="Times New Roman" pitchFamily="18" charset="0"/>
+                <a:cs typeface="Times New Roman" pitchFamily="18" charset="0"/>
+              </a:rPr>
+              <a:t>2. </a:t>
+            </a:r>
+            <a:r>
+              <a:rPr lang="en-US" sz="2800" b="1" u="sng" dirty="0">
+                <a:latin typeface="Times New Roman" pitchFamily="18" charset="0"/>
+                <a:cs typeface="Times New Roman" pitchFamily="18" charset="0"/>
+              </a:rPr>
+              <a:t>Backend (Node.js &amp; Express)</a:t>
+            </a:r>
+            <a:endParaRPr lang="en-US" sz="2800" u="sng" dirty="0">
+              <a:latin typeface="Times New Roman" pitchFamily="18" charset="0"/>
+              <a:cs typeface="Times New Roman" pitchFamily="18" charset="0"/>
+            </a:endParaRPr>
+          </a:p>
+          <a:p>
+            <a:pPr algn="just"/>
+            <a:r>
+              <a:rPr lang="en-US" sz="2800" b="1" dirty="0">
+                <a:latin typeface="Times New Roman" pitchFamily="18" charset="0"/>
+                <a:cs typeface="Times New Roman" pitchFamily="18" charset="0"/>
+              </a:rPr>
+              <a:t>Node.js</a:t>
+            </a:r>
+            <a:r>
+              <a:rPr lang="en-US" sz="2800" dirty="0">
+                <a:latin typeface="Times New Roman" pitchFamily="18" charset="0"/>
+                <a:cs typeface="Times New Roman" pitchFamily="18" charset="0"/>
+              </a:rPr>
+              <a:t>: JavaScript runtime for server-side execution.</a:t>
+            </a:r>
+          </a:p>
+          <a:p>
+            <a:pPr algn="just"/>
+            <a:r>
+              <a:rPr lang="en-US" sz="2800" b="1" dirty="0">
+                <a:latin typeface="Times New Roman" pitchFamily="18" charset="0"/>
+                <a:cs typeface="Times New Roman" pitchFamily="18" charset="0"/>
+              </a:rPr>
+              <a:t>Express.js</a:t>
+            </a:r>
+            <a:r>
+              <a:rPr lang="en-US" sz="2800" dirty="0">
+                <a:latin typeface="Times New Roman" pitchFamily="18" charset="0"/>
+                <a:cs typeface="Times New Roman" pitchFamily="18" charset="0"/>
+              </a:rPr>
+              <a:t>: Backend framework for API routes (RESTful APIs: GET /books, POST /checkout).</a:t>
+            </a:r>
+          </a:p>
+          <a:p>
+            <a:pPr algn="just"/>
+            <a:r>
+              <a:rPr lang="en-US" sz="2800" b="1" dirty="0">
+                <a:latin typeface="Times New Roman" pitchFamily="18" charset="0"/>
+                <a:cs typeface="Times New Roman" pitchFamily="18" charset="0"/>
+              </a:rPr>
+              <a:t>Business Logic</a:t>
+            </a:r>
+            <a:r>
+              <a:rPr lang="en-US" sz="2800" dirty="0">
+                <a:latin typeface="Times New Roman" pitchFamily="18" charset="0"/>
+                <a:cs typeface="Times New Roman" pitchFamily="18" charset="0"/>
+              </a:rPr>
+              <a:t>: Handles user authentication, book searches, and order processing.</a:t>
+            </a:r>
+          </a:p>
+          <a:p>
+            <a:pPr algn="just"/>
+            <a:r>
+              <a:rPr lang="en-US" sz="2800" b="1" dirty="0">
+                <a:latin typeface="Times New Roman" pitchFamily="18" charset="0"/>
+                <a:cs typeface="Times New Roman" pitchFamily="18" charset="0"/>
+              </a:rPr>
+              <a:t>Backend</a:t>
+            </a:r>
+            <a:r>
+              <a:rPr lang="en-US" sz="2800" dirty="0">
+                <a:latin typeface="Times New Roman" pitchFamily="18" charset="0"/>
+                <a:cs typeface="Times New Roman" pitchFamily="18" charset="0"/>
+              </a:rPr>
+              <a:t>: Node.js/Express deployed on </a:t>
+            </a:r>
+            <a:r>
+              <a:rPr lang="en-US" sz="2800" b="1" dirty="0">
+                <a:latin typeface="Times New Roman" pitchFamily="18" charset="0"/>
+                <a:cs typeface="Times New Roman" pitchFamily="18" charset="0"/>
+              </a:rPr>
+              <a:t>Heroku/AWS</a:t>
+            </a:r>
+            <a:r>
+              <a:rPr lang="en-US" sz="2800" dirty="0">
+                <a:latin typeface="Times New Roman" pitchFamily="18" charset="0"/>
+                <a:cs typeface="Times New Roman" pitchFamily="18" charset="0"/>
+              </a:rPr>
+              <a:t>.</a:t>
+            </a:r>
+          </a:p>
+          <a:p>
+            <a:endParaRPr lang="en-IN" dirty="0"/>
           </a:p>
         </p:txBody>
       </p:sp>
     </p:spTree>
     <p:extLst>
       <p:ext uri="{BB962C8B-B14F-4D97-AF65-F5344CB8AC3E}">
-        <p14:creationId xmlns:p14="http://schemas.microsoft.com/office/powerpoint/2010/main" val="151569883"/>
+        <p14:creationId xmlns:p14="http://schemas.microsoft.com/office/powerpoint/2010/main" val="486600580"/>
       </p:ext>
     </p:extLst>
   </p:cSld>
